--- a/Surrogate Variable Analysis/notes/Analysis of Angle.pptx
+++ b/Surrogate Variable Analysis/notes/Analysis of Angle.pptx
@@ -304,7 +304,7 @@
           <a:p>
             <a:fld id="{08630BCB-05C4-F145-9ACE-96B30BB5E2DB}" type="datetimeFigureOut">
               <a:rPr lang="en-US" smtClean="0"/>
-              <a:t>9/29/15</a:t>
+              <a:t>10/1/15</a:t>
             </a:fld>
             <a:endParaRPr lang="en-US"/>
           </a:p>
@@ -474,7 +474,7 @@
           <a:p>
             <a:fld id="{08630BCB-05C4-F145-9ACE-96B30BB5E2DB}" type="datetimeFigureOut">
               <a:rPr lang="en-US" smtClean="0"/>
-              <a:t>9/29/15</a:t>
+              <a:t>10/1/15</a:t>
             </a:fld>
             <a:endParaRPr lang="en-US"/>
           </a:p>
@@ -654,7 +654,7 @@
           <a:p>
             <a:fld id="{08630BCB-05C4-F145-9ACE-96B30BB5E2DB}" type="datetimeFigureOut">
               <a:rPr lang="en-US" smtClean="0"/>
-              <a:t>9/29/15</a:t>
+              <a:t>10/1/15</a:t>
             </a:fld>
             <a:endParaRPr lang="en-US"/>
           </a:p>
@@ -824,7 +824,7 @@
           <a:p>
             <a:fld id="{08630BCB-05C4-F145-9ACE-96B30BB5E2DB}" type="datetimeFigureOut">
               <a:rPr lang="en-US" smtClean="0"/>
-              <a:t>9/29/15</a:t>
+              <a:t>10/1/15</a:t>
             </a:fld>
             <a:endParaRPr lang="en-US"/>
           </a:p>
@@ -1070,7 +1070,7 @@
           <a:p>
             <a:fld id="{08630BCB-05C4-F145-9ACE-96B30BB5E2DB}" type="datetimeFigureOut">
               <a:rPr lang="en-US" smtClean="0"/>
-              <a:t>9/29/15</a:t>
+              <a:t>10/1/15</a:t>
             </a:fld>
             <a:endParaRPr lang="en-US"/>
           </a:p>
@@ -1358,7 +1358,7 @@
           <a:p>
             <a:fld id="{08630BCB-05C4-F145-9ACE-96B30BB5E2DB}" type="datetimeFigureOut">
               <a:rPr lang="en-US" smtClean="0"/>
-              <a:t>9/29/15</a:t>
+              <a:t>10/1/15</a:t>
             </a:fld>
             <a:endParaRPr lang="en-US"/>
           </a:p>
@@ -1780,7 +1780,7 @@
           <a:p>
             <a:fld id="{08630BCB-05C4-F145-9ACE-96B30BB5E2DB}" type="datetimeFigureOut">
               <a:rPr lang="en-US" smtClean="0"/>
-              <a:t>9/29/15</a:t>
+              <a:t>10/1/15</a:t>
             </a:fld>
             <a:endParaRPr lang="en-US"/>
           </a:p>
@@ -1898,7 +1898,7 @@
           <a:p>
             <a:fld id="{08630BCB-05C4-F145-9ACE-96B30BB5E2DB}" type="datetimeFigureOut">
               <a:rPr lang="en-US" smtClean="0"/>
-              <a:t>9/29/15</a:t>
+              <a:t>10/1/15</a:t>
             </a:fld>
             <a:endParaRPr lang="en-US"/>
           </a:p>
@@ -1993,7 +1993,7 @@
           <a:p>
             <a:fld id="{08630BCB-05C4-F145-9ACE-96B30BB5E2DB}" type="datetimeFigureOut">
               <a:rPr lang="en-US" smtClean="0"/>
-              <a:t>9/29/15</a:t>
+              <a:t>10/1/15</a:t>
             </a:fld>
             <a:endParaRPr lang="en-US"/>
           </a:p>
@@ -2270,7 +2270,7 @@
           <a:p>
             <a:fld id="{08630BCB-05C4-F145-9ACE-96B30BB5E2DB}" type="datetimeFigureOut">
               <a:rPr lang="en-US" smtClean="0"/>
-              <a:t>9/29/15</a:t>
+              <a:t>10/1/15</a:t>
             </a:fld>
             <a:endParaRPr lang="en-US"/>
           </a:p>
@@ -2523,7 +2523,7 @@
           <a:p>
             <a:fld id="{08630BCB-05C4-F145-9ACE-96B30BB5E2DB}" type="datetimeFigureOut">
               <a:rPr lang="en-US" smtClean="0"/>
-              <a:t>9/29/15</a:t>
+              <a:t>10/1/15</a:t>
             </a:fld>
             <a:endParaRPr lang="en-US"/>
           </a:p>
@@ -2736,7 +2736,7 @@
           <a:p>
             <a:fld id="{08630BCB-05C4-F145-9ACE-96B30BB5E2DB}" type="datetimeFigureOut">
               <a:rPr lang="en-US" smtClean="0"/>
-              <a:t>9/29/15</a:t>
+              <a:t>10/1/15</a:t>
             </a:fld>
             <a:endParaRPr lang="en-US"/>
           </a:p>
@@ -3136,11 +3136,7 @@
             </a:r>
             <a:r>
               <a:rPr lang="en-US" dirty="0" smtClean="0"/>
-              <a:t>Analy</a:t>
-            </a:r>
-            <a:r>
-              <a:rPr lang="en-US" dirty="0" smtClean="0"/>
-              <a:t>sis</a:t>
+              <a:t>Analysis</a:t>
             </a:r>
             <a:r>
               <a:rPr lang="zh-CN" altLang="en-US" dirty="0" smtClean="0"/>
@@ -3392,6 +3388,13 @@
   <p:clrMapOvr>
     <a:masterClrMapping/>
   </p:clrMapOvr>
+  <p:timing>
+    <p:tnLst>
+      <p:par>
+        <p:cTn xmlns:p14="http://schemas.microsoft.com/office/powerpoint/2010/main" id="1" dur="indefinite" restart="never" nodeType="tmRoot"/>
+      </p:par>
+    </p:tnLst>
+  </p:timing>
 </p:sld>
 </file>
 
@@ -3689,8 +3692,16 @@
               <a:t>2 </a:t>
             </a:r>
             <a:r>
-              <a:rPr lang="en-US" dirty="0"/>
-              <a:t>= 2</a:t>
+              <a:rPr lang="en-US"/>
+              <a:t>= </a:t>
+            </a:r>
+            <a:r>
+              <a:rPr lang="en-US" smtClean="0"/>
+              <a:t>-</a:t>
+            </a:r>
+            <a:r>
+              <a:rPr lang="en-US" smtClean="0"/>
+              <a:t>2</a:t>
             </a:r>
             <a:endParaRPr lang="en-US" altLang="zh-CN" dirty="0"/>
           </a:p>
@@ -3857,11 +3868,7 @@
           <a:p>
             <a:r>
               <a:rPr lang="en-US" dirty="0" smtClean="0"/>
-              <a:t>Summary</a:t>
-            </a:r>
-            <a:r>
-              <a:rPr lang="en-US" dirty="0" smtClean="0"/>
-              <a:t> of Simulation</a:t>
+              <a:t>Summary of Simulation</a:t>
             </a:r>
             <a:r>
               <a:rPr lang="en-US" altLang="zh-CN" dirty="0" smtClean="0"/>
@@ -3915,7 +3922,7 @@
         <p:spPr/>
         <p:txBody>
           <a:bodyPr>
-            <a:normAutofit fontScale="92500" lnSpcReduction="20000"/>
+            <a:normAutofit fontScale="85000" lnSpcReduction="10000"/>
           </a:bodyPr>
           <a:lstStyle/>
           <a:p>
@@ -3983,7 +3990,7 @@
             </a:r>
             <a:r>
               <a:rPr lang="en-US" altLang="zh-CN" dirty="0" smtClean="0"/>
-              <a:t>Unbalanced</a:t>
+              <a:t>Unbalanced Design</a:t>
             </a:r>
             <a:r>
               <a:rPr lang="zh-CN" altLang="en-US" dirty="0" smtClean="0"/>
@@ -4077,6 +4084,14 @@
             </a:r>
             <a:r>
               <a:rPr lang="en-US" altLang="zh-CN" dirty="0" smtClean="0"/>
+              <a:t>Design</a:t>
+            </a:r>
+            <a:r>
+              <a:rPr lang="zh-CN" altLang="en-US" dirty="0" smtClean="0"/>
+              <a:t> </a:t>
+            </a:r>
+            <a:r>
+              <a:rPr lang="en-US" altLang="zh-CN" dirty="0" smtClean="0"/>
               <a:t>Case</a:t>
             </a:r>
             <a:r>
@@ -4179,7 +4194,27 @@
           <a:p>
             <a:r>
               <a:rPr lang="en-US" dirty="0" smtClean="0"/>
-              <a:t>SVA can identify the surrogate variable in the Case I</a:t>
+              <a:t>SVA can identify the surrogate variable in the</a:t>
+            </a:r>
+            <a:r>
+              <a:rPr lang="zh-CN" altLang="en-US" dirty="0" smtClean="0"/>
+              <a:t> </a:t>
+            </a:r>
+            <a:r>
+              <a:rPr lang="en-US" altLang="zh-CN" dirty="0" smtClean="0"/>
+              <a:t>Unbalanced</a:t>
+            </a:r>
+            <a:r>
+              <a:rPr lang="zh-CN" altLang="en-US" dirty="0" smtClean="0"/>
+              <a:t> </a:t>
+            </a:r>
+            <a:r>
+              <a:rPr lang="en-US" altLang="zh-CN" dirty="0" smtClean="0"/>
+              <a:t>Design</a:t>
+            </a:r>
+            <a:r>
+              <a:rPr lang="en-US" dirty="0" smtClean="0"/>
+              <a:t> Case I</a:t>
             </a:r>
             <a:r>
               <a:rPr lang="zh-CN" altLang="en-US" dirty="0" smtClean="0"/>
@@ -4313,6 +4348,14 @@
             </a:r>
             <a:r>
               <a:rPr lang="en-US" altLang="zh-CN" dirty="0" smtClean="0"/>
+              <a:t>Design</a:t>
+            </a:r>
+            <a:r>
+              <a:rPr lang="zh-CN" altLang="en-US" dirty="0" smtClean="0"/>
+              <a:t> </a:t>
+            </a:r>
+            <a:r>
+              <a:rPr lang="en-US" altLang="zh-CN" dirty="0" smtClean="0"/>
               <a:t>Case</a:t>
             </a:r>
             <a:r>
@@ -4394,6 +4437,14 @@
             <a:r>
               <a:rPr lang="en-US" altLang="zh-CN" dirty="0" smtClean="0"/>
               <a:t>Unbalanced</a:t>
+            </a:r>
+            <a:r>
+              <a:rPr lang="zh-CN" altLang="en-US" dirty="0" smtClean="0"/>
+              <a:t> </a:t>
+            </a:r>
+            <a:r>
+              <a:rPr lang="en-US" altLang="zh-CN" dirty="0" smtClean="0"/>
+              <a:t>Design</a:t>
             </a:r>
             <a:r>
               <a:rPr lang="zh-CN" altLang="en-US" dirty="0" smtClean="0"/>
@@ -4429,6 +4480,13 @@
   <p:clrMapOvr>
     <a:masterClrMapping/>
   </p:clrMapOvr>
+  <p:timing>
+    <p:tnLst>
+      <p:par>
+        <p:cTn xmlns:p14="http://schemas.microsoft.com/office/powerpoint/2010/main" id="1" dur="indefinite" restart="never" nodeType="tmRoot"/>
+      </p:par>
+    </p:tnLst>
+  </p:timing>
 </p:sld>
 </file>
 
@@ -4645,6 +4703,13 @@
   <p:clrMapOvr>
     <a:masterClrMapping/>
   </p:clrMapOvr>
+  <p:timing>
+    <p:tnLst>
+      <p:par>
+        <p:cTn xmlns:p14="http://schemas.microsoft.com/office/powerpoint/2010/main" id="1" dur="indefinite" restart="never" nodeType="tmRoot"/>
+      </p:par>
+    </p:tnLst>
+  </p:timing>
 </p:sld>
 </file>
 
@@ -4784,11 +4849,7 @@
           <a:p>
             <a:r>
               <a:rPr lang="en-US" dirty="0" smtClean="0"/>
-              <a:t>Angle</a:t>
-            </a:r>
-            <a:r>
-              <a:rPr lang="en-US" dirty="0" smtClean="0"/>
-              <a:t> Analysis</a:t>
+              <a:t>Angle Analysis</a:t>
             </a:r>
             <a:endParaRPr lang="en-US" dirty="0"/>
           </a:p>
@@ -4834,6 +4895,13 @@
   <p:clrMapOvr>
     <a:masterClrMapping/>
   </p:clrMapOvr>
+  <p:timing>
+    <p:tnLst>
+      <p:par>
+        <p:cTn xmlns:p14="http://schemas.microsoft.com/office/powerpoint/2010/main" id="1" dur="indefinite" restart="never" nodeType="tmRoot"/>
+      </p:par>
+    </p:tnLst>
+  </p:timing>
 </p:sld>
 </file>
 
@@ -4917,6 +4985,13 @@
   <p:clrMapOvr>
     <a:masterClrMapping/>
   </p:clrMapOvr>
+  <p:timing>
+    <p:tnLst>
+      <p:par>
+        <p:cTn xmlns:p14="http://schemas.microsoft.com/office/powerpoint/2010/main" id="1" dur="indefinite" restart="never" nodeType="tmRoot"/>
+      </p:par>
+    </p:tnLst>
+  </p:timing>
 </p:sld>
 </file>
 
@@ -5297,6 +5372,13 @@
   <p:clrMapOvr>
     <a:masterClrMapping/>
   </p:clrMapOvr>
+  <p:timing>
+    <p:tnLst>
+      <p:par>
+        <p:cTn xmlns:p14="http://schemas.microsoft.com/office/powerpoint/2010/main" id="1" dur="indefinite" restart="never" nodeType="tmRoot"/>
+      </p:par>
+    </p:tnLst>
+  </p:timing>
 </p:sld>
 </file>
 
@@ -5358,11 +5440,7 @@
           <a:p>
             <a:r>
               <a:rPr lang="en-US" dirty="0" smtClean="0"/>
-              <a:t>The overall goal of SVA is to provide a more accurate and reproducible parsing of signal and noise in the analysis of an expression study when </a:t>
-            </a:r>
-            <a:r>
-              <a:rPr lang="en-US" dirty="0" smtClean="0"/>
-              <a:t>Expression Heterogeneity</a:t>
+              <a:t>The overall goal of SVA is to provide a more accurate and reproducible parsing of signal and noise in the analysis of an expression study when Expression Heterogeneity</a:t>
             </a:r>
             <a:r>
               <a:rPr lang="zh-CN" altLang="en-US" dirty="0" smtClean="0"/>
@@ -5382,11 +5460,7 @@
             </a:r>
             <a:r>
               <a:rPr lang="en-US" dirty="0" smtClean="0"/>
-              <a:t> </a:t>
-            </a:r>
-            <a:r>
-              <a:rPr lang="en-US" dirty="0" smtClean="0"/>
-              <a:t>is present.</a:t>
+              <a:t> is present.</a:t>
             </a:r>
             <a:endParaRPr lang="en-US" dirty="0"/>
           </a:p>
@@ -5487,23 +5561,14 @@
             <a:pPr lvl="1"/>
             <a:r>
               <a:rPr lang="en-US" dirty="0" smtClean="0"/>
-              <a:t>Apply a decomposition to the residual expression matrix to identify signatures of </a:t>
-            </a:r>
+              <a:t>Apply a decomposition to the residual expression matrix to identify signatures of EH.</a:t>
+            </a:r>
+          </a:p>
+          <a:p>
+            <a:pPr lvl="1"/>
             <a:r>
               <a:rPr lang="en-US" dirty="0" smtClean="0"/>
-              <a:t>EH.</a:t>
-            </a:r>
-            <a:endParaRPr lang="en-US" dirty="0" smtClean="0"/>
-          </a:p>
-          <a:p>
-            <a:pPr lvl="1"/>
-            <a:r>
-              <a:rPr lang="en-US" dirty="0" smtClean="0"/>
-              <a:t>Use a statistical test to determine the singular vectors that represent significantly more variation than would be expected by chance</a:t>
-            </a:r>
-            <a:r>
-              <a:rPr lang="en-US" dirty="0" smtClean="0"/>
-              <a:t>.</a:t>
+              <a:t>Use a statistical test to determine the singular vectors that represent significantly more variation than would be expected by chance.</a:t>
             </a:r>
           </a:p>
           <a:p>
@@ -5524,6 +5589,13 @@
   <p:clrMapOvr>
     <a:masterClrMapping/>
   </p:clrMapOvr>
+  <p:timing>
+    <p:tnLst>
+      <p:par>
+        <p:cTn xmlns:p14="http://schemas.microsoft.com/office/powerpoint/2010/main" id="1" dur="indefinite" restart="never" nodeType="tmRoot"/>
+      </p:par>
+    </p:tnLst>
+  </p:timing>
 </p:sld>
 </file>
 
@@ -5594,7 +5666,6 @@
               <a:rPr lang="en-US" dirty="0" smtClean="0"/>
               <a:t>Apply a significance analysis of associations between genes and the EH signatures on the residual matrix. </a:t>
             </a:r>
-            <a:endParaRPr lang="en-US" dirty="0" smtClean="0"/>
           </a:p>
           <a:p>
             <a:pPr marL="457200" lvl="1" indent="0">
@@ -5614,6 +5685,13 @@
   <p:clrMapOvr>
     <a:masterClrMapping/>
   </p:clrMapOvr>
+  <p:timing>
+    <p:tnLst>
+      <p:par>
+        <p:cTn xmlns:p14="http://schemas.microsoft.com/office/powerpoint/2010/main" id="1" dur="indefinite" restart="never" nodeType="tmRoot"/>
+      </p:par>
+    </p:tnLst>
+  </p:timing>
 </p:sld>
 </file>
 
@@ -5677,11 +5755,7 @@
           <a:p>
             <a:r>
               <a:rPr lang="en-US" dirty="0" smtClean="0"/>
-              <a:t>Step 3: For each subset of genes, build a surrogate variable based on the full EH signature of that subset in the original expression data</a:t>
-            </a:r>
-            <a:r>
-              <a:rPr lang="en-US" dirty="0" smtClean="0"/>
-              <a:t>.</a:t>
+              <a:t>Step 3: For each subset of genes, build a surrogate variable based on the full EH signature of that subset in the original expression data.</a:t>
             </a:r>
           </a:p>
           <a:p>
@@ -5702,6 +5776,13 @@
   <p:clrMapOvr>
     <a:masterClrMapping/>
   </p:clrMapOvr>
+  <p:timing>
+    <p:tnLst>
+      <p:par>
+        <p:cTn xmlns:p14="http://schemas.microsoft.com/office/powerpoint/2010/main" id="1" dur="indefinite" restart="never" nodeType="tmRoot"/>
+      </p:par>
+    </p:tnLst>
+  </p:timing>
 </p:sld>
 </file>
 
@@ -5763,11 +5844,7 @@
           <a:p>
             <a:r>
               <a:rPr lang="en-US" dirty="0" smtClean="0"/>
-              <a:t>Step 4: Include all significant surrogate variables as covariates in subsequent regression analysis</a:t>
-            </a:r>
-            <a:r>
-              <a:rPr lang="en-US" dirty="0" smtClean="0"/>
-              <a:t>.</a:t>
+              <a:t>Step 4: Include all significant surrogate variables as covariates in subsequent regression analysis.</a:t>
             </a:r>
           </a:p>
           <a:p>
@@ -5788,6 +5865,13 @@
   <p:clrMapOvr>
     <a:masterClrMapping/>
   </p:clrMapOvr>
+  <p:timing>
+    <p:tnLst>
+      <p:par>
+        <p:cTn xmlns:p14="http://schemas.microsoft.com/office/powerpoint/2010/main" id="1" dur="indefinite" restart="never" nodeType="tmRoot"/>
+      </p:par>
+    </p:tnLst>
+  </p:timing>
 </p:sld>
 </file>
 
@@ -6146,17 +6230,12 @@
               <a:rPr lang="en-US" altLang="zh-CN" dirty="0" smtClean="0"/>
               <a:t>2</a:t>
             </a:r>
-            <a:endParaRPr lang="en-US" altLang="zh-CN" dirty="0" smtClean="0"/>
           </a:p>
           <a:p>
             <a:pPr lvl="2"/>
             <a:r>
               <a:rPr lang="en-US" altLang="zh-CN" dirty="0" smtClean="0"/>
-              <a:t>Class</a:t>
-            </a:r>
-            <a:r>
-              <a:rPr lang="en-US" altLang="zh-CN" dirty="0" smtClean="0"/>
-              <a:t> </a:t>
+              <a:t>Class </a:t>
             </a:r>
             <a:r>
               <a:rPr lang="en-US" altLang="zh-CN" dirty="0"/>
@@ -6549,11 +6628,7 @@
             </a:pPr>
             <a:r>
               <a:rPr lang="en-US" altLang="zh-CN" sz="2200" dirty="0" smtClean="0"/>
-              <a:t>Note</a:t>
-            </a:r>
-            <a:r>
-              <a:rPr lang="en-US" altLang="zh-CN" sz="2200" dirty="0" smtClean="0"/>
-              <a:t>:</a:t>
+              <a:t>Note:</a:t>
             </a:r>
             <a:r>
               <a:rPr lang="zh-CN" altLang="en-US" sz="2200" dirty="0" smtClean="0"/>
@@ -6665,27 +6740,15 @@
             </a:r>
             <a:r>
               <a:rPr lang="en-US" altLang="zh-CN" sz="2000" dirty="0" smtClean="0"/>
-              <a:t>4</a:t>
+              <a:t>40,</a:t>
+            </a:r>
+            <a:r>
+              <a:rPr lang="zh-CN" altLang="en-US" sz="2000" dirty="0" smtClean="0"/>
+              <a:t> </a:t>
             </a:r>
             <a:r>
               <a:rPr lang="en-US" altLang="zh-CN" sz="2000" dirty="0" smtClean="0"/>
-              <a:t>0,</a:t>
-            </a:r>
-            <a:r>
-              <a:rPr lang="zh-CN" altLang="en-US" sz="2000" dirty="0" smtClean="0"/>
-              <a:t> </a:t>
-            </a:r>
-            <a:r>
-              <a:rPr lang="en-US" altLang="zh-CN" sz="2000" dirty="0" smtClean="0"/>
-              <a:t>n</a:t>
-            </a:r>
-            <a:r>
-              <a:rPr lang="en-US" altLang="zh-CN" sz="2000" dirty="0" smtClean="0"/>
-              <a:t>2</a:t>
-            </a:r>
-            <a:r>
-              <a:rPr lang="en-US" altLang="zh-CN" sz="2000" dirty="0" smtClean="0"/>
-              <a:t>2</a:t>
+              <a:t>n22</a:t>
             </a:r>
             <a:r>
               <a:rPr lang="zh-CN" altLang="en-US" sz="2000" dirty="0" smtClean="0"/>
@@ -6717,15 +6780,7 @@
             </a:r>
             <a:r>
               <a:rPr lang="en-US" altLang="zh-CN" sz="2000" dirty="0" smtClean="0"/>
-              <a:t>n</a:t>
-            </a:r>
-            <a:r>
-              <a:rPr lang="en-US" altLang="zh-CN" sz="2000" dirty="0" smtClean="0"/>
-              <a:t>2</a:t>
-            </a:r>
-            <a:r>
-              <a:rPr lang="en-US" altLang="zh-CN" sz="2000" dirty="0" smtClean="0"/>
-              <a:t>1</a:t>
+              <a:t>n21</a:t>
             </a:r>
             <a:endParaRPr lang="en-US" altLang="zh-CN" sz="2200" dirty="0" smtClean="0"/>
           </a:p>
@@ -6741,6 +6796,13 @@
   <p:clrMapOvr>
     <a:masterClrMapping/>
   </p:clrMapOvr>
+  <p:timing>
+    <p:tnLst>
+      <p:par>
+        <p:cTn xmlns:p14="http://schemas.microsoft.com/office/powerpoint/2010/main" id="1" dur="indefinite" restart="never" nodeType="tmRoot"/>
+      </p:par>
+    </p:tnLst>
+  </p:timing>
 </p:sld>
 </file>
 
@@ -6971,7 +7033,6 @@
               <a:rPr lang="en-US" altLang="zh-CN" dirty="0" smtClean="0"/>
               <a:t>1</a:t>
             </a:r>
-            <a:endParaRPr lang="en-US" altLang="zh-CN" dirty="0" smtClean="0"/>
           </a:p>
           <a:p>
             <a:pPr lvl="2"/>
@@ -7095,11 +7156,7 @@
             </a:r>
             <a:r>
               <a:rPr lang="en-US" altLang="zh-CN" dirty="0" smtClean="0"/>
-              <a:t>II</a:t>
-            </a:r>
-            <a:r>
-              <a:rPr lang="en-US" altLang="zh-CN" dirty="0" smtClean="0"/>
-              <a:t>:</a:t>
+              <a:t>II:</a:t>
             </a:r>
             <a:r>
               <a:rPr lang="zh-CN" altLang="en-US" dirty="0" smtClean="0"/>
@@ -7115,11 +7172,7 @@
             </a:r>
             <a:r>
               <a:rPr lang="zh-CN" altLang="en-US" dirty="0" smtClean="0"/>
-              <a:t>≠</a:t>
-            </a:r>
-            <a:r>
-              <a:rPr lang="zh-CN" altLang="en-US" dirty="0" smtClean="0"/>
-              <a:t> </a:t>
+              <a:t>≠ </a:t>
             </a:r>
             <a:r>
               <a:rPr lang="el-GR" dirty="0" smtClean="0"/>
@@ -7309,11 +7362,7 @@
             </a:r>
             <a:r>
               <a:rPr lang="en-US" altLang="zh-CN" dirty="0" smtClean="0"/>
-              <a:t>III</a:t>
-            </a:r>
-            <a:r>
-              <a:rPr lang="en-US" altLang="zh-CN" dirty="0" smtClean="0"/>
-              <a:t>:</a:t>
+              <a:t>III:</a:t>
             </a:r>
             <a:r>
               <a:rPr lang="zh-CN" altLang="en-US" dirty="0" smtClean="0"/>
@@ -7329,11 +7378,7 @@
             </a:r>
             <a:r>
               <a:rPr lang="zh-CN" altLang="en-US" dirty="0" smtClean="0"/>
-              <a:t>≠</a:t>
-            </a:r>
-            <a:r>
-              <a:rPr lang="zh-CN" altLang="en-US" dirty="0" smtClean="0"/>
-              <a:t> </a:t>
+              <a:t>≠ </a:t>
             </a:r>
             <a:r>
               <a:rPr lang="el-GR" dirty="0" smtClean="0"/>
@@ -7453,7 +7498,7 @@
             </a:r>
             <a:r>
               <a:rPr lang="en-US" altLang="zh-CN" dirty="0" smtClean="0"/>
-              <a:t>uncorrelated.</a:t>
+              <a:t>correlated.</a:t>
             </a:r>
           </a:p>
           <a:p>
@@ -7617,25 +7662,16 @@
             </a:r>
             <a:r>
               <a:rPr lang="en-US" altLang="zh-CN" dirty="0" smtClean="0"/>
-              <a:t>of</a:t>
-            </a:r>
-            <a:r>
-              <a:rPr lang="en-US" altLang="zh-CN" dirty="0" smtClean="0"/>
-              <a:t> genes for effects of</a:t>
-            </a:r>
-            <a:r>
-              <a:rPr lang="zh-CN" altLang="en-US" dirty="0" smtClean="0"/>
-              <a:t> </a:t>
-            </a:r>
-            <a:r>
-              <a:rPr lang="en-US" altLang="zh-CN" dirty="0" smtClean="0"/>
-              <a:t>primary variable </a:t>
-            </a:r>
-            <a:r>
-              <a:rPr lang="en-US" altLang="zh-CN" dirty="0" smtClean="0"/>
-              <a:t>and batch.</a:t>
-            </a:r>
-            <a:endParaRPr lang="en-US" altLang="zh-CN" dirty="0" smtClean="0"/>
+              <a:t>of genes for effects of</a:t>
+            </a:r>
+            <a:r>
+              <a:rPr lang="zh-CN" altLang="en-US" dirty="0" smtClean="0"/>
+              <a:t> </a:t>
+            </a:r>
+            <a:r>
+              <a:rPr lang="en-US" altLang="zh-CN" dirty="0" smtClean="0"/>
+              <a:t>primary variable and batch.</a:t>
+            </a:r>
           </a:p>
           <a:p>
             <a:pPr lvl="1"/>
@@ -7669,11 +7705,7 @@
             </a:r>
             <a:r>
               <a:rPr lang="en-US" altLang="zh-CN" dirty="0" smtClean="0"/>
-              <a:t>1</a:t>
-            </a:r>
-            <a:r>
-              <a:rPr lang="en-US" altLang="zh-CN" dirty="0" smtClean="0"/>
-              <a:t>:</a:t>
+              <a:t>1:</a:t>
             </a:r>
             <a:r>
               <a:rPr lang="zh-CN" altLang="en-US" dirty="0" smtClean="0"/>
@@ -7776,11 +7808,7 @@
             </a:r>
             <a:r>
               <a:rPr lang="en-US" altLang="zh-CN" dirty="0" smtClean="0"/>
-              <a:t> s2</a:t>
-            </a:r>
-            <a:r>
-              <a:rPr lang="en-US" altLang="zh-CN" dirty="0" smtClean="0"/>
-              <a:t>:</a:t>
+              <a:t> s2:</a:t>
             </a:r>
             <a:r>
               <a:rPr lang="zh-CN" altLang="en-US" dirty="0" smtClean="0"/>
@@ -7911,11 +7939,7 @@
             </a:r>
             <a:r>
               <a:rPr lang="en-US" altLang="zh-CN" dirty="0" smtClean="0"/>
-              <a:t>3</a:t>
-            </a:r>
-            <a:r>
-              <a:rPr lang="en-US" altLang="zh-CN" dirty="0" smtClean="0"/>
-              <a:t>:</a:t>
+              <a:t>3:</a:t>
             </a:r>
             <a:r>
               <a:rPr lang="zh-CN" altLang="en-US" dirty="0" smtClean="0"/>
@@ -7998,11 +8022,7 @@
             </a:r>
             <a:r>
               <a:rPr lang="en-US" altLang="zh-CN" dirty="0" smtClean="0"/>
-              <a:t>4</a:t>
-            </a:r>
-            <a:r>
-              <a:rPr lang="en-US" altLang="zh-CN" dirty="0" smtClean="0"/>
-              <a:t>:</a:t>
+              <a:t>4:</a:t>
             </a:r>
             <a:r>
               <a:rPr lang="zh-CN" altLang="en-US" dirty="0" smtClean="0"/>
@@ -8034,11 +8054,7 @@
             <a:pPr lvl="1"/>
             <a:r>
               <a:rPr lang="en-US" altLang="zh-CN" dirty="0" smtClean="0"/>
-              <a:t>The size of four types (</a:t>
-            </a:r>
-            <a:r>
-              <a:rPr lang="en-US" altLang="zh-CN" dirty="0" smtClean="0"/>
-              <a:t>t1,</a:t>
+              <a:t>The size of four types (t1,</a:t>
             </a:r>
             <a:r>
               <a:rPr lang="zh-CN" altLang="en-US" dirty="0" smtClean="0"/>
@@ -8078,11 +8094,7 @@
             </a:r>
             <a:r>
               <a:rPr lang="en-US" altLang="zh-CN" dirty="0" smtClean="0"/>
-              <a:t>(</a:t>
-            </a:r>
-            <a:r>
-              <a:rPr lang="en-US" altLang="zh-CN" dirty="0" smtClean="0"/>
-              <a:t>20,</a:t>
+              <a:t>(20,</a:t>
             </a:r>
             <a:r>
               <a:rPr lang="en-US" altLang="zh-CN" dirty="0"/>
@@ -8102,11 +8114,7 @@
             </a:r>
             <a:r>
               <a:rPr lang="en-US" altLang="zh-CN" dirty="0" smtClean="0"/>
-              <a:t>0</a:t>
-            </a:r>
-            <a:r>
-              <a:rPr lang="en-US" altLang="zh-CN" dirty="0" smtClean="0"/>
-              <a:t>,</a:t>
+              <a:t>0,</a:t>
             </a:r>
             <a:r>
               <a:rPr lang="zh-CN" altLang="en-US" dirty="0" smtClean="0"/>
@@ -8118,11 +8126,7 @@
             </a:r>
             <a:r>
               <a:rPr lang="en-US" altLang="zh-CN" dirty="0" smtClean="0"/>
-              <a:t>0</a:t>
-            </a:r>
-            <a:r>
-              <a:rPr lang="en-US" altLang="zh-CN" dirty="0" smtClean="0"/>
-              <a:t>)</a:t>
+              <a:t>0)</a:t>
             </a:r>
           </a:p>
           <a:p>
@@ -8157,7 +8161,7 @@
             </a:r>
             <a:r>
               <a:rPr lang="en-US" altLang="zh-CN" dirty="0" smtClean="0"/>
-              <a:t>effected</a:t>
+              <a:t>affected</a:t>
             </a:r>
             <a:r>
               <a:rPr lang="zh-CN" altLang="en-US" dirty="0" smtClean="0"/>
@@ -8215,8 +8219,12 @@
               <a:t> </a:t>
             </a:r>
             <a:r>
-              <a:rPr lang="en-US" altLang="zh-CN" dirty="0" smtClean="0"/>
-              <a:t>effected</a:t>
+              <a:rPr lang="en-US" altLang="zh-CN" dirty="0"/>
+              <a:t>a</a:t>
+            </a:r>
+            <a:r>
+              <a:rPr lang="en-US" altLang="zh-CN" dirty="0" smtClean="0"/>
+              <a:t>ffected</a:t>
             </a:r>
             <a:r>
               <a:rPr lang="zh-CN" altLang="en-US" dirty="0" smtClean="0"/>
@@ -8266,8 +8274,12 @@
               <a:t> </a:t>
             </a:r>
             <a:r>
-              <a:rPr lang="en-US" altLang="zh-CN" dirty="0" smtClean="0"/>
-              <a:t>effected</a:t>
+              <a:rPr lang="en-US" altLang="zh-CN" dirty="0"/>
+              <a:t>a</a:t>
+            </a:r>
+            <a:r>
+              <a:rPr lang="en-US" altLang="zh-CN" dirty="0" smtClean="0"/>
+              <a:t>ffected</a:t>
             </a:r>
             <a:r>
               <a:rPr lang="zh-CN" altLang="en-US" dirty="0" smtClean="0"/>
